--- a/Spring4MVCAngularJSExample/src/doc/AWS BeansTalk 활용한 스케일링.pptx
+++ b/Spring4MVCAngularJSExample/src/doc/AWS BeansTalk 활용한 스케일링.pptx
@@ -13,15 +13,16 @@
     <p:sldId id="261" r:id="rId7"/>
     <p:sldId id="262" r:id="rId8"/>
     <p:sldId id="270" r:id="rId9"/>
-    <p:sldId id="263" r:id="rId10"/>
-    <p:sldId id="264" r:id="rId11"/>
-    <p:sldId id="265" r:id="rId12"/>
-    <p:sldId id="266" r:id="rId13"/>
-    <p:sldId id="267" r:id="rId14"/>
-    <p:sldId id="271" r:id="rId15"/>
-    <p:sldId id="268" r:id="rId16"/>
-    <p:sldId id="269" r:id="rId17"/>
-    <p:sldId id="272" r:id="rId18"/>
+    <p:sldId id="273" r:id="rId10"/>
+    <p:sldId id="263" r:id="rId11"/>
+    <p:sldId id="264" r:id="rId12"/>
+    <p:sldId id="265" r:id="rId13"/>
+    <p:sldId id="266" r:id="rId14"/>
+    <p:sldId id="267" r:id="rId15"/>
+    <p:sldId id="271" r:id="rId16"/>
+    <p:sldId id="268" r:id="rId17"/>
+    <p:sldId id="269" r:id="rId18"/>
+    <p:sldId id="272" r:id="rId19"/>
   </p:sldIdLst>
   <p:sldSz cx="9144000" cy="6858000" type="screen4x3"/>
   <p:notesSz cx="6858000" cy="9144000"/>
@@ -304,7 +305,7 @@
           <a:p>
             <a:fld id="{21B53CCF-AD66-49DA-BD74-DEE0656756EF}" type="datetimeFigureOut">
               <a:rPr lang="ko-KR" altLang="en-US" smtClean="0"/>
-              <a:t>2016-10-15</a:t>
+              <a:t>10/16/16</a:t>
             </a:fld>
             <a:endParaRPr lang="ko-KR" altLang="en-US"/>
           </a:p>
@@ -474,7 +475,7 @@
           <a:p>
             <a:fld id="{21B53CCF-AD66-49DA-BD74-DEE0656756EF}" type="datetimeFigureOut">
               <a:rPr lang="ko-KR" altLang="en-US" smtClean="0"/>
-              <a:t>2016-10-15</a:t>
+              <a:t>10/16/16</a:t>
             </a:fld>
             <a:endParaRPr lang="ko-KR" altLang="en-US"/>
           </a:p>
@@ -654,7 +655,7 @@
           <a:p>
             <a:fld id="{21B53CCF-AD66-49DA-BD74-DEE0656756EF}" type="datetimeFigureOut">
               <a:rPr lang="ko-KR" altLang="en-US" smtClean="0"/>
-              <a:t>2016-10-15</a:t>
+              <a:t>10/16/16</a:t>
             </a:fld>
             <a:endParaRPr lang="ko-KR" altLang="en-US"/>
           </a:p>
@@ -824,7 +825,7 @@
           <a:p>
             <a:fld id="{21B53CCF-AD66-49DA-BD74-DEE0656756EF}" type="datetimeFigureOut">
               <a:rPr lang="ko-KR" altLang="en-US" smtClean="0"/>
-              <a:t>2016-10-15</a:t>
+              <a:t>10/16/16</a:t>
             </a:fld>
             <a:endParaRPr lang="ko-KR" altLang="en-US"/>
           </a:p>
@@ -1070,7 +1071,7 @@
           <a:p>
             <a:fld id="{21B53CCF-AD66-49DA-BD74-DEE0656756EF}" type="datetimeFigureOut">
               <a:rPr lang="ko-KR" altLang="en-US" smtClean="0"/>
-              <a:t>2016-10-15</a:t>
+              <a:t>10/16/16</a:t>
             </a:fld>
             <a:endParaRPr lang="ko-KR" altLang="en-US"/>
           </a:p>
@@ -1358,7 +1359,7 @@
           <a:p>
             <a:fld id="{21B53CCF-AD66-49DA-BD74-DEE0656756EF}" type="datetimeFigureOut">
               <a:rPr lang="ko-KR" altLang="en-US" smtClean="0"/>
-              <a:t>2016-10-15</a:t>
+              <a:t>10/16/16</a:t>
             </a:fld>
             <a:endParaRPr lang="ko-KR" altLang="en-US"/>
           </a:p>
@@ -1780,7 +1781,7 @@
           <a:p>
             <a:fld id="{21B53CCF-AD66-49DA-BD74-DEE0656756EF}" type="datetimeFigureOut">
               <a:rPr lang="ko-KR" altLang="en-US" smtClean="0"/>
-              <a:t>2016-10-15</a:t>
+              <a:t>10/16/16</a:t>
             </a:fld>
             <a:endParaRPr lang="ko-KR" altLang="en-US"/>
           </a:p>
@@ -1898,7 +1899,7 @@
           <a:p>
             <a:fld id="{21B53CCF-AD66-49DA-BD74-DEE0656756EF}" type="datetimeFigureOut">
               <a:rPr lang="ko-KR" altLang="en-US" smtClean="0"/>
-              <a:t>2016-10-15</a:t>
+              <a:t>10/16/16</a:t>
             </a:fld>
             <a:endParaRPr lang="ko-KR" altLang="en-US"/>
           </a:p>
@@ -1993,7 +1994,7 @@
           <a:p>
             <a:fld id="{21B53CCF-AD66-49DA-BD74-DEE0656756EF}" type="datetimeFigureOut">
               <a:rPr lang="ko-KR" altLang="en-US" smtClean="0"/>
-              <a:t>2016-10-15</a:t>
+              <a:t>10/16/16</a:t>
             </a:fld>
             <a:endParaRPr lang="ko-KR" altLang="en-US"/>
           </a:p>
@@ -2270,7 +2271,7 @@
           <a:p>
             <a:fld id="{21B53CCF-AD66-49DA-BD74-DEE0656756EF}" type="datetimeFigureOut">
               <a:rPr lang="ko-KR" altLang="en-US" smtClean="0"/>
-              <a:t>2016-10-15</a:t>
+              <a:t>10/16/16</a:t>
             </a:fld>
             <a:endParaRPr lang="ko-KR" altLang="en-US"/>
           </a:p>
@@ -2523,7 +2524,7 @@
           <a:p>
             <a:fld id="{21B53CCF-AD66-49DA-BD74-DEE0656756EF}" type="datetimeFigureOut">
               <a:rPr lang="ko-KR" altLang="en-US" smtClean="0"/>
-              <a:t>2016-10-15</a:t>
+              <a:t>10/16/16</a:t>
             </a:fld>
             <a:endParaRPr lang="ko-KR" altLang="en-US"/>
           </a:p>
@@ -2736,7 +2737,7 @@
           <a:p>
             <a:fld id="{21B53CCF-AD66-49DA-BD74-DEE0656756EF}" type="datetimeFigureOut">
               <a:rPr lang="ko-KR" altLang="en-US" smtClean="0"/>
-              <a:t>2016-10-15</a:t>
+              <a:t>10/16/16</a:t>
             </a:fld>
             <a:endParaRPr lang="ko-KR" altLang="en-US"/>
           </a:p>
@@ -3184,14 +3185,14 @@
           </a:ln>
           <a:effectLst/>
           <a:extLst>
-            <a:ext uri="{909E8E84-426E-40DD-AFC4-6F175D3DCCD1}">
+            <a:ext uri="{909E8E84-426E-40dd-AFC4-6F175D3DCCD1}">
               <a14:hiddenFill xmlns:a14="http://schemas.microsoft.com/office/drawing/2010/main">
                 <a:solidFill>
                   <a:schemeClr val="accent1"/>
                 </a:solidFill>
               </a14:hiddenFill>
             </a:ext>
-            <a:ext uri="{91240B29-F687-4F45-9708-019B960494DF}">
+            <a:ext uri="{91240B29-F687-4f45-9708-019B960494DF}">
               <a14:hiddenLine xmlns:a14="http://schemas.microsoft.com/office/drawing/2010/main" w="9525">
                 <a:solidFill>
                   <a:schemeClr val="tx1"/>
@@ -3201,7 +3202,7 @@
                 <a:tailEnd/>
               </a14:hiddenLine>
             </a:ext>
-            <a:ext uri="{AF507438-7753-43E0-B8FC-AC1667EBCBE1}">
+            <a:ext uri="{AF507438-7753-43e0-B8FC-AC1667EBCBE1}">
               <a14:hiddenEffects xmlns:a14="http://schemas.microsoft.com/office/drawing/2010/main">
                 <a:effectLst>
                   <a:outerShdw dist="35921" dir="2700000" algn="ctr" rotWithShape="0">
@@ -3227,6 +3228,164 @@
 </file>
 
 <file path=ppt/slides/slide10.xml><?xml version="1.0" encoding="utf-8"?>
+<p:sld xmlns:a="http://schemas.openxmlformats.org/drawingml/2006/main" xmlns:r="http://schemas.openxmlformats.org/officeDocument/2006/relationships" xmlns:p="http://schemas.openxmlformats.org/presentationml/2006/main">
+  <p:cSld>
+    <p:spTree>
+      <p:nvGrpSpPr>
+        <p:cNvPr id="1" name=""/>
+        <p:cNvGrpSpPr/>
+        <p:nvPr/>
+      </p:nvGrpSpPr>
+      <p:grpSpPr>
+        <a:xfrm>
+          <a:off x="0" y="0"/>
+          <a:ext cx="0" cy="0"/>
+          <a:chOff x="0" y="0"/>
+          <a:chExt cx="0" cy="0"/>
+        </a:xfrm>
+      </p:grpSpPr>
+      <p:pic>
+        <p:nvPicPr>
+          <p:cNvPr id="8196" name="Picture 4"/>
+          <p:cNvPicPr>
+            <a:picLocks noChangeAspect="1" noChangeArrowheads="1"/>
+          </p:cNvPicPr>
+          <p:nvPr/>
+        </p:nvPicPr>
+        <p:blipFill>
+          <a:blip r:embed="rId2">
+            <a:extLst>
+              <a:ext uri="{28A0092B-C50C-407E-A947-70E740481C1C}">
+                <a14:useLocalDpi xmlns:a14="http://schemas.microsoft.com/office/drawing/2010/main" val="0"/>
+              </a:ext>
+            </a:extLst>
+          </a:blip>
+          <a:srcRect/>
+          <a:stretch>
+            <a:fillRect/>
+          </a:stretch>
+        </p:blipFill>
+        <p:spPr bwMode="auto">
+          <a:xfrm>
+            <a:off x="871538" y="938213"/>
+            <a:ext cx="7400925" cy="4981575"/>
+          </a:xfrm>
+          <a:prstGeom prst="rect">
+            <a:avLst/>
+          </a:prstGeom>
+          <a:noFill/>
+          <a:ln>
+            <a:noFill/>
+          </a:ln>
+          <a:effectLst/>
+          <a:extLst>
+            <a:ext uri="{909E8E84-426E-40dd-AFC4-6F175D3DCCD1}">
+              <a14:hiddenFill xmlns:a14="http://schemas.microsoft.com/office/drawing/2010/main">
+                <a:solidFill>
+                  <a:schemeClr val="accent1"/>
+                </a:solidFill>
+              </a14:hiddenFill>
+            </a:ext>
+            <a:ext uri="{91240B29-F687-4f45-9708-019B960494DF}">
+              <a14:hiddenLine xmlns:a14="http://schemas.microsoft.com/office/drawing/2010/main" w="9525">
+                <a:solidFill>
+                  <a:schemeClr val="tx1"/>
+                </a:solidFill>
+                <a:miter lim="800000"/>
+                <a:headEnd/>
+                <a:tailEnd/>
+              </a14:hiddenLine>
+            </a:ext>
+            <a:ext uri="{AF507438-7753-43e0-B8FC-AC1667EBCBE1}">
+              <a14:hiddenEffects xmlns:a14="http://schemas.microsoft.com/office/drawing/2010/main">
+                <a:effectLst>
+                  <a:outerShdw dist="35921" dir="2700000" algn="ctr" rotWithShape="0">
+                    <a:schemeClr val="bg2"/>
+                  </a:outerShdw>
+                </a:effectLst>
+              </a14:hiddenEffects>
+            </a:ext>
+          </a:extLst>
+        </p:spPr>
+      </p:pic>
+      <p:pic>
+        <p:nvPicPr>
+          <p:cNvPr id="8197" name="Picture 5"/>
+          <p:cNvPicPr>
+            <a:picLocks noChangeAspect="1" noChangeArrowheads="1"/>
+          </p:cNvPicPr>
+          <p:nvPr/>
+        </p:nvPicPr>
+        <p:blipFill>
+          <a:blip r:embed="rId3">
+            <a:extLst>
+              <a:ext uri="{28A0092B-C50C-407E-A947-70E740481C1C}">
+                <a14:useLocalDpi xmlns:a14="http://schemas.microsoft.com/office/drawing/2010/main" val="0"/>
+              </a:ext>
+            </a:extLst>
+          </a:blip>
+          <a:srcRect/>
+          <a:stretch>
+            <a:fillRect/>
+          </a:stretch>
+        </p:blipFill>
+        <p:spPr bwMode="auto">
+          <a:xfrm>
+            <a:off x="3923928" y="2636912"/>
+            <a:ext cx="7439025" cy="3124200"/>
+          </a:xfrm>
+          <a:prstGeom prst="rect">
+            <a:avLst/>
+          </a:prstGeom>
+          <a:noFill/>
+          <a:ln>
+            <a:noFill/>
+          </a:ln>
+          <a:effectLst/>
+          <a:extLst>
+            <a:ext uri="{909E8E84-426E-40dd-AFC4-6F175D3DCCD1}">
+              <a14:hiddenFill xmlns:a14="http://schemas.microsoft.com/office/drawing/2010/main">
+                <a:solidFill>
+                  <a:schemeClr val="accent1"/>
+                </a:solidFill>
+              </a14:hiddenFill>
+            </a:ext>
+            <a:ext uri="{91240B29-F687-4f45-9708-019B960494DF}">
+              <a14:hiddenLine xmlns:a14="http://schemas.microsoft.com/office/drawing/2010/main" w="9525">
+                <a:solidFill>
+                  <a:schemeClr val="tx1"/>
+                </a:solidFill>
+                <a:miter lim="800000"/>
+                <a:headEnd/>
+                <a:tailEnd/>
+              </a14:hiddenLine>
+            </a:ext>
+            <a:ext uri="{AF507438-7753-43e0-B8FC-AC1667EBCBE1}">
+              <a14:hiddenEffects xmlns:a14="http://schemas.microsoft.com/office/drawing/2010/main">
+                <a:effectLst>
+                  <a:outerShdw dist="35921" dir="2700000" algn="ctr" rotWithShape="0">
+                    <a:schemeClr val="bg2"/>
+                  </a:outerShdw>
+                </a:effectLst>
+              </a14:hiddenEffects>
+            </a:ext>
+          </a:extLst>
+        </p:spPr>
+      </p:pic>
+    </p:spTree>
+    <p:extLst>
+      <p:ext uri="{BB962C8B-B14F-4D97-AF65-F5344CB8AC3E}">
+        <p14:creationId xmlns:p14="http://schemas.microsoft.com/office/powerpoint/2010/main" val="1697472531"/>
+      </p:ext>
+    </p:extLst>
+  </p:cSld>
+  <p:clrMapOvr>
+    <a:masterClrMapping/>
+  </p:clrMapOvr>
+</p:sld>
+</file>
+
+<file path=ppt/slides/slide11.xml><?xml version="1.0" encoding="utf-8"?>
 <p:sld xmlns:a="http://schemas.openxmlformats.org/drawingml/2006/main" xmlns:r="http://schemas.openxmlformats.org/officeDocument/2006/relationships" xmlns:p="http://schemas.openxmlformats.org/presentationml/2006/main">
   <p:cSld>
     <p:spTree>
@@ -3316,14 +3475,14 @@
           </a:ln>
           <a:effectLst/>
           <a:extLst>
-            <a:ext uri="{909E8E84-426E-40DD-AFC4-6F175D3DCCD1}">
+            <a:ext uri="{909E8E84-426E-40dd-AFC4-6F175D3DCCD1}">
               <a14:hiddenFill xmlns:a14="http://schemas.microsoft.com/office/drawing/2010/main">
                 <a:solidFill>
                   <a:schemeClr val="accent1"/>
                 </a:solidFill>
               </a14:hiddenFill>
             </a:ext>
-            <a:ext uri="{91240B29-F687-4F45-9708-019B960494DF}">
+            <a:ext uri="{91240B29-F687-4f45-9708-019B960494DF}">
               <a14:hiddenLine xmlns:a14="http://schemas.microsoft.com/office/drawing/2010/main" w="9525">
                 <a:solidFill>
                   <a:schemeClr val="tx1"/>
@@ -3333,7 +3492,7 @@
                 <a:tailEnd/>
               </a14:hiddenLine>
             </a:ext>
-            <a:ext uri="{AF507438-7753-43E0-B8FC-AC1667EBCBE1}">
+            <a:ext uri="{AF507438-7753-43e0-B8FC-AC1667EBCBE1}">
               <a14:hiddenEffects xmlns:a14="http://schemas.microsoft.com/office/drawing/2010/main">
                 <a:effectLst>
                   <a:outerShdw dist="35921" dir="2700000" algn="ctr" rotWithShape="0">
@@ -3380,14 +3539,14 @@
           </a:ln>
           <a:effectLst/>
           <a:extLst>
-            <a:ext uri="{909E8E84-426E-40DD-AFC4-6F175D3DCCD1}">
+            <a:ext uri="{909E8E84-426E-40dd-AFC4-6F175D3DCCD1}">
               <a14:hiddenFill xmlns:a14="http://schemas.microsoft.com/office/drawing/2010/main">
                 <a:solidFill>
                   <a:schemeClr val="accent1"/>
                 </a:solidFill>
               </a14:hiddenFill>
             </a:ext>
-            <a:ext uri="{91240B29-F687-4F45-9708-019B960494DF}">
+            <a:ext uri="{91240B29-F687-4f45-9708-019B960494DF}">
               <a14:hiddenLine xmlns:a14="http://schemas.microsoft.com/office/drawing/2010/main" w="9525">
                 <a:solidFill>
                   <a:schemeClr val="tx1"/>
@@ -3397,7 +3556,7 @@
                 <a:tailEnd/>
               </a14:hiddenLine>
             </a:ext>
-            <a:ext uri="{AF507438-7753-43E0-B8FC-AC1667EBCBE1}">
+            <a:ext uri="{AF507438-7753-43e0-B8FC-AC1667EBCBE1}">
               <a14:hiddenEffects xmlns:a14="http://schemas.microsoft.com/office/drawing/2010/main">
                 <a:effectLst>
                   <a:outerShdw dist="35921" dir="2700000" algn="ctr" rotWithShape="0">
@@ -3422,7 +3581,7 @@
 </p:sld>
 </file>
 
-<file path=ppt/slides/slide11.xml><?xml version="1.0" encoding="utf-8"?>
+<file path=ppt/slides/slide12.xml><?xml version="1.0" encoding="utf-8"?>
 <p:sld xmlns:a="http://schemas.openxmlformats.org/drawingml/2006/main" xmlns:r="http://schemas.openxmlformats.org/officeDocument/2006/relationships" xmlns:p="http://schemas.openxmlformats.org/presentationml/2006/main">
   <p:cSld>
     <p:spTree>
@@ -3474,14 +3633,14 @@
           </a:ln>
           <a:effectLst/>
           <a:extLst>
-            <a:ext uri="{909E8E84-426E-40DD-AFC4-6F175D3DCCD1}">
+            <a:ext uri="{909E8E84-426E-40dd-AFC4-6F175D3DCCD1}">
               <a14:hiddenFill xmlns:a14="http://schemas.microsoft.com/office/drawing/2010/main">
                 <a:solidFill>
                   <a:schemeClr val="accent1"/>
                 </a:solidFill>
               </a14:hiddenFill>
             </a:ext>
-            <a:ext uri="{91240B29-F687-4F45-9708-019B960494DF}">
+            <a:ext uri="{91240B29-F687-4f45-9708-019B960494DF}">
               <a14:hiddenLine xmlns:a14="http://schemas.microsoft.com/office/drawing/2010/main" w="9525">
                 <a:solidFill>
                   <a:schemeClr val="tx1"/>
@@ -3491,7 +3650,7 @@
                 <a:tailEnd/>
               </a14:hiddenLine>
             </a:ext>
-            <a:ext uri="{AF507438-7753-43E0-B8FC-AC1667EBCBE1}">
+            <a:ext uri="{AF507438-7753-43e0-B8FC-AC1667EBCBE1}">
               <a14:hiddenEffects xmlns:a14="http://schemas.microsoft.com/office/drawing/2010/main">
                 <a:effectLst>
                   <a:outerShdw dist="35921" dir="2700000" algn="ctr" rotWithShape="0">
@@ -3516,7 +3675,7 @@
 </p:sld>
 </file>
 
-<file path=ppt/slides/slide12.xml><?xml version="1.0" encoding="utf-8"?>
+<file path=ppt/slides/slide13.xml><?xml version="1.0" encoding="utf-8"?>
 <p:sld xmlns:a="http://schemas.openxmlformats.org/drawingml/2006/main" xmlns:r="http://schemas.openxmlformats.org/officeDocument/2006/relationships" xmlns:p="http://schemas.openxmlformats.org/presentationml/2006/main">
   <p:cSld>
     <p:spTree>
@@ -3606,14 +3765,14 @@
           </a:ln>
           <a:effectLst/>
           <a:extLst>
-            <a:ext uri="{909E8E84-426E-40DD-AFC4-6F175D3DCCD1}">
+            <a:ext uri="{909E8E84-426E-40dd-AFC4-6F175D3DCCD1}">
               <a14:hiddenFill xmlns:a14="http://schemas.microsoft.com/office/drawing/2010/main">
                 <a:solidFill>
                   <a:schemeClr val="accent1"/>
                 </a:solidFill>
               </a14:hiddenFill>
             </a:ext>
-            <a:ext uri="{91240B29-F687-4F45-9708-019B960494DF}">
+            <a:ext uri="{91240B29-F687-4f45-9708-019B960494DF}">
               <a14:hiddenLine xmlns:a14="http://schemas.microsoft.com/office/drawing/2010/main" w="9525">
                 <a:solidFill>
                   <a:schemeClr val="tx1"/>
@@ -3623,7 +3782,7 @@
                 <a:tailEnd/>
               </a14:hiddenLine>
             </a:ext>
-            <a:ext uri="{AF507438-7753-43E0-B8FC-AC1667EBCBE1}">
+            <a:ext uri="{AF507438-7753-43e0-B8FC-AC1667EBCBE1}">
               <a14:hiddenEffects xmlns:a14="http://schemas.microsoft.com/office/drawing/2010/main">
                 <a:effectLst>
                   <a:outerShdw dist="35921" dir="2700000" algn="ctr" rotWithShape="0">
@@ -3670,14 +3829,14 @@
           </a:ln>
           <a:effectLst/>
           <a:extLst>
-            <a:ext uri="{909E8E84-426E-40DD-AFC4-6F175D3DCCD1}">
+            <a:ext uri="{909E8E84-426E-40dd-AFC4-6F175D3DCCD1}">
               <a14:hiddenFill xmlns:a14="http://schemas.microsoft.com/office/drawing/2010/main">
                 <a:solidFill>
                   <a:schemeClr val="accent1"/>
                 </a:solidFill>
               </a14:hiddenFill>
             </a:ext>
-            <a:ext uri="{91240B29-F687-4F45-9708-019B960494DF}">
+            <a:ext uri="{91240B29-F687-4f45-9708-019B960494DF}">
               <a14:hiddenLine xmlns:a14="http://schemas.microsoft.com/office/drawing/2010/main" w="9525">
                 <a:solidFill>
                   <a:schemeClr val="tx1"/>
@@ -3687,7 +3846,7 @@
                 <a:tailEnd/>
               </a14:hiddenLine>
             </a:ext>
-            <a:ext uri="{AF507438-7753-43E0-B8FC-AC1667EBCBE1}">
+            <a:ext uri="{AF507438-7753-43e0-B8FC-AC1667EBCBE1}">
               <a14:hiddenEffects xmlns:a14="http://schemas.microsoft.com/office/drawing/2010/main">
                 <a:effectLst>
                   <a:outerShdw dist="35921" dir="2700000" algn="ctr" rotWithShape="0">
@@ -3712,7 +3871,7 @@
 </p:sld>
 </file>
 
-<file path=ppt/slides/slide13.xml><?xml version="1.0" encoding="utf-8"?>
+<file path=ppt/slides/slide14.xml><?xml version="1.0" encoding="utf-8"?>
 <p:sld xmlns:a="http://schemas.openxmlformats.org/drawingml/2006/main" xmlns:r="http://schemas.openxmlformats.org/officeDocument/2006/relationships" xmlns:p="http://schemas.openxmlformats.org/presentationml/2006/main">
   <p:cSld>
     <p:spTree>
@@ -3802,14 +3961,14 @@
           </a:ln>
           <a:effectLst/>
           <a:extLst>
-            <a:ext uri="{909E8E84-426E-40DD-AFC4-6F175D3DCCD1}">
+            <a:ext uri="{909E8E84-426E-40dd-AFC4-6F175D3DCCD1}">
               <a14:hiddenFill xmlns:a14="http://schemas.microsoft.com/office/drawing/2010/main">
                 <a:solidFill>
                   <a:schemeClr val="accent1"/>
                 </a:solidFill>
               </a14:hiddenFill>
             </a:ext>
-            <a:ext uri="{91240B29-F687-4F45-9708-019B960494DF}">
+            <a:ext uri="{91240B29-F687-4f45-9708-019B960494DF}">
               <a14:hiddenLine xmlns:a14="http://schemas.microsoft.com/office/drawing/2010/main" w="9525">
                 <a:solidFill>
                   <a:schemeClr val="tx1"/>
@@ -3819,7 +3978,7 @@
                 <a:tailEnd/>
               </a14:hiddenLine>
             </a:ext>
-            <a:ext uri="{AF507438-7753-43E0-B8FC-AC1667EBCBE1}">
+            <a:ext uri="{AF507438-7753-43e0-B8FC-AC1667EBCBE1}">
               <a14:hiddenEffects xmlns:a14="http://schemas.microsoft.com/office/drawing/2010/main">
                 <a:effectLst>
                   <a:outerShdw dist="35921" dir="2700000" algn="ctr" rotWithShape="0">
@@ -3844,7 +4003,7 @@
 </p:sld>
 </file>
 
-<file path=ppt/slides/slide14.xml><?xml version="1.0" encoding="utf-8"?>
+<file path=ppt/slides/slide15.xml><?xml version="1.0" encoding="utf-8"?>
 <p:sld xmlns:a="http://schemas.openxmlformats.org/drawingml/2006/main" xmlns:r="http://schemas.openxmlformats.org/officeDocument/2006/relationships" xmlns:p="http://schemas.openxmlformats.org/presentationml/2006/main">
   <p:cSld>
     <p:spTree>
@@ -3934,14 +4093,14 @@
           </a:ln>
           <a:effectLst/>
           <a:extLst>
-            <a:ext uri="{909E8E84-426E-40DD-AFC4-6F175D3DCCD1}">
+            <a:ext uri="{909E8E84-426E-40dd-AFC4-6F175D3DCCD1}">
               <a14:hiddenFill xmlns:a14="http://schemas.microsoft.com/office/drawing/2010/main">
                 <a:solidFill>
                   <a:schemeClr val="accent1"/>
                 </a:solidFill>
               </a14:hiddenFill>
             </a:ext>
-            <a:ext uri="{91240B29-F687-4F45-9708-019B960494DF}">
+            <a:ext uri="{91240B29-F687-4f45-9708-019B960494DF}">
               <a14:hiddenLine xmlns:a14="http://schemas.microsoft.com/office/drawing/2010/main" w="9525">
                 <a:solidFill>
                   <a:schemeClr val="tx1"/>
@@ -3951,7 +4110,7 @@
                 <a:tailEnd/>
               </a14:hiddenLine>
             </a:ext>
-            <a:ext uri="{AF507438-7753-43E0-B8FC-AC1667EBCBE1}">
+            <a:ext uri="{AF507438-7753-43e0-B8FC-AC1667EBCBE1}">
               <a14:hiddenEffects xmlns:a14="http://schemas.microsoft.com/office/drawing/2010/main">
                 <a:effectLst>
                   <a:outerShdw dist="35921" dir="2700000" algn="ctr" rotWithShape="0">
@@ -3976,7 +4135,7 @@
 </p:sld>
 </file>
 
-<file path=ppt/slides/slide15.xml><?xml version="1.0" encoding="utf-8"?>
+<file path=ppt/slides/slide16.xml><?xml version="1.0" encoding="utf-8"?>
 <p:sld xmlns:a="http://schemas.openxmlformats.org/drawingml/2006/main" xmlns:r="http://schemas.openxmlformats.org/officeDocument/2006/relationships" xmlns:p="http://schemas.openxmlformats.org/presentationml/2006/main">
   <p:cSld>
     <p:spTree>
@@ -4066,14 +4225,14 @@
           </a:ln>
           <a:effectLst/>
           <a:extLst>
-            <a:ext uri="{909E8E84-426E-40DD-AFC4-6F175D3DCCD1}">
+            <a:ext uri="{909E8E84-426E-40dd-AFC4-6F175D3DCCD1}">
               <a14:hiddenFill xmlns:a14="http://schemas.microsoft.com/office/drawing/2010/main">
                 <a:solidFill>
                   <a:schemeClr val="accent1"/>
                 </a:solidFill>
               </a14:hiddenFill>
             </a:ext>
-            <a:ext uri="{91240B29-F687-4F45-9708-019B960494DF}">
+            <a:ext uri="{91240B29-F687-4f45-9708-019B960494DF}">
               <a14:hiddenLine xmlns:a14="http://schemas.microsoft.com/office/drawing/2010/main" w="9525">
                 <a:solidFill>
                   <a:schemeClr val="tx1"/>
@@ -4083,7 +4242,7 @@
                 <a:tailEnd/>
               </a14:hiddenLine>
             </a:ext>
-            <a:ext uri="{AF507438-7753-43E0-B8FC-AC1667EBCBE1}">
+            <a:ext uri="{AF507438-7753-43e0-B8FC-AC1667EBCBE1}">
               <a14:hiddenEffects xmlns:a14="http://schemas.microsoft.com/office/drawing/2010/main">
                 <a:effectLst>
                   <a:outerShdw dist="35921" dir="2700000" algn="ctr" rotWithShape="0">
@@ -4108,7 +4267,7 @@
 </p:sld>
 </file>
 
-<file path=ppt/slides/slide16.xml><?xml version="1.0" encoding="utf-8"?>
+<file path=ppt/slides/slide17.xml><?xml version="1.0" encoding="utf-8"?>
 <p:sld xmlns:a="http://schemas.openxmlformats.org/drawingml/2006/main" xmlns:r="http://schemas.openxmlformats.org/officeDocument/2006/relationships" xmlns:p="http://schemas.openxmlformats.org/presentationml/2006/main">
   <p:cSld>
     <p:spTree>
@@ -4198,14 +4357,14 @@
           </a:ln>
           <a:effectLst/>
           <a:extLst>
-            <a:ext uri="{909E8E84-426E-40DD-AFC4-6F175D3DCCD1}">
+            <a:ext uri="{909E8E84-426E-40dd-AFC4-6F175D3DCCD1}">
               <a14:hiddenFill xmlns:a14="http://schemas.microsoft.com/office/drawing/2010/main">
                 <a:solidFill>
                   <a:schemeClr val="accent1"/>
                 </a:solidFill>
               </a14:hiddenFill>
             </a:ext>
-            <a:ext uri="{91240B29-F687-4F45-9708-019B960494DF}">
+            <a:ext uri="{91240B29-F687-4f45-9708-019B960494DF}">
               <a14:hiddenLine xmlns:a14="http://schemas.microsoft.com/office/drawing/2010/main" w="9525">
                 <a:solidFill>
                   <a:schemeClr val="tx1"/>
@@ -4215,7 +4374,7 @@
                 <a:tailEnd/>
               </a14:hiddenLine>
             </a:ext>
-            <a:ext uri="{AF507438-7753-43E0-B8FC-AC1667EBCBE1}">
+            <a:ext uri="{AF507438-7753-43e0-B8FC-AC1667EBCBE1}">
               <a14:hiddenEffects xmlns:a14="http://schemas.microsoft.com/office/drawing/2010/main">
                 <a:effectLst>
                   <a:outerShdw dist="35921" dir="2700000" algn="ctr" rotWithShape="0">
@@ -4240,7 +4399,7 @@
 </p:sld>
 </file>
 
-<file path=ppt/slides/slide17.xml><?xml version="1.0" encoding="utf-8"?>
+<file path=ppt/slides/slide18.xml><?xml version="1.0" encoding="utf-8"?>
 <p:sld xmlns:a="http://schemas.openxmlformats.org/drawingml/2006/main" xmlns:r="http://schemas.openxmlformats.org/officeDocument/2006/relationships" xmlns:p="http://schemas.openxmlformats.org/presentationml/2006/main">
   <p:cSld>
     <p:spTree>
@@ -4360,14 +4519,14 @@
           </a:ln>
           <a:effectLst/>
           <a:extLst>
-            <a:ext uri="{909E8E84-426E-40DD-AFC4-6F175D3DCCD1}">
+            <a:ext uri="{909E8E84-426E-40dd-AFC4-6F175D3DCCD1}">
               <a14:hiddenFill xmlns:a14="http://schemas.microsoft.com/office/drawing/2010/main">
                 <a:solidFill>
                   <a:schemeClr val="accent1"/>
                 </a:solidFill>
               </a14:hiddenFill>
             </a:ext>
-            <a:ext uri="{91240B29-F687-4F45-9708-019B960494DF}">
+            <a:ext uri="{91240B29-F687-4f45-9708-019B960494DF}">
               <a14:hiddenLine xmlns:a14="http://schemas.microsoft.com/office/drawing/2010/main" w="9525">
                 <a:solidFill>
                   <a:schemeClr val="tx1"/>
@@ -4377,7 +4536,7 @@
                 <a:tailEnd/>
               </a14:hiddenLine>
             </a:ext>
-            <a:ext uri="{AF507438-7753-43E0-B8FC-AC1667EBCBE1}">
+            <a:ext uri="{AF507438-7753-43e0-B8FC-AC1667EBCBE1}">
               <a14:hiddenEffects xmlns:a14="http://schemas.microsoft.com/office/drawing/2010/main">
                 <a:effectLst>
                   <a:outerShdw dist="35921" dir="2700000" algn="ctr" rotWithShape="0">
@@ -4424,14 +4583,14 @@
           </a:ln>
           <a:effectLst/>
           <a:extLst>
-            <a:ext uri="{909E8E84-426E-40DD-AFC4-6F175D3DCCD1}">
+            <a:ext uri="{909E8E84-426E-40dd-AFC4-6F175D3DCCD1}">
               <a14:hiddenFill xmlns:a14="http://schemas.microsoft.com/office/drawing/2010/main">
                 <a:solidFill>
                   <a:schemeClr val="accent1"/>
                 </a:solidFill>
               </a14:hiddenFill>
             </a:ext>
-            <a:ext uri="{91240B29-F687-4F45-9708-019B960494DF}">
+            <a:ext uri="{91240B29-F687-4f45-9708-019B960494DF}">
               <a14:hiddenLine xmlns:a14="http://schemas.microsoft.com/office/drawing/2010/main" w="9525">
                 <a:solidFill>
                   <a:schemeClr val="tx1"/>
@@ -4441,7 +4600,7 @@
                 <a:tailEnd/>
               </a14:hiddenLine>
             </a:ext>
-            <a:ext uri="{AF507438-7753-43E0-B8FC-AC1667EBCBE1}">
+            <a:ext uri="{AF507438-7753-43e0-B8FC-AC1667EBCBE1}">
               <a14:hiddenEffects xmlns:a14="http://schemas.microsoft.com/office/drawing/2010/main">
                 <a:effectLst>
                   <a:outerShdw dist="35921" dir="2700000" algn="ctr" rotWithShape="0">
@@ -4516,14 +4675,14 @@
           </a:ln>
           <a:effectLst/>
           <a:extLst>
-            <a:ext uri="{909E8E84-426E-40DD-AFC4-6F175D3DCCD1}">
+            <a:ext uri="{909E8E84-426E-40dd-AFC4-6F175D3DCCD1}">
               <a14:hiddenFill xmlns:a14="http://schemas.microsoft.com/office/drawing/2010/main">
                 <a:solidFill>
                   <a:schemeClr val="accent1"/>
                 </a:solidFill>
               </a14:hiddenFill>
             </a:ext>
-            <a:ext uri="{91240B29-F687-4F45-9708-019B960494DF}">
+            <a:ext uri="{91240B29-F687-4f45-9708-019B960494DF}">
               <a14:hiddenLine xmlns:a14="http://schemas.microsoft.com/office/drawing/2010/main" w="9525">
                 <a:solidFill>
                   <a:schemeClr val="tx1"/>
@@ -4533,7 +4692,7 @@
                 <a:tailEnd/>
               </a14:hiddenLine>
             </a:ext>
-            <a:ext uri="{AF507438-7753-43E0-B8FC-AC1667EBCBE1}">
+            <a:ext uri="{AF507438-7753-43e0-B8FC-AC1667EBCBE1}">
               <a14:hiddenEffects xmlns:a14="http://schemas.microsoft.com/office/drawing/2010/main">
                 <a:effectLst>
                   <a:outerShdw dist="35921" dir="2700000" algn="ctr" rotWithShape="0">
@@ -4580,14 +4739,14 @@
           </a:ln>
           <a:effectLst/>
           <a:extLst>
-            <a:ext uri="{909E8E84-426E-40DD-AFC4-6F175D3DCCD1}">
+            <a:ext uri="{909E8E84-426E-40dd-AFC4-6F175D3DCCD1}">
               <a14:hiddenFill xmlns:a14="http://schemas.microsoft.com/office/drawing/2010/main">
                 <a:solidFill>
                   <a:schemeClr val="accent1"/>
                 </a:solidFill>
               </a14:hiddenFill>
             </a:ext>
-            <a:ext uri="{91240B29-F687-4F45-9708-019B960494DF}">
+            <a:ext uri="{91240B29-F687-4f45-9708-019B960494DF}">
               <a14:hiddenLine xmlns:a14="http://schemas.microsoft.com/office/drawing/2010/main" w="9525">
                 <a:solidFill>
                   <a:schemeClr val="tx1"/>
@@ -4597,7 +4756,7 @@
                 <a:tailEnd/>
               </a14:hiddenLine>
             </a:ext>
-            <a:ext uri="{AF507438-7753-43E0-B8FC-AC1667EBCBE1}">
+            <a:ext uri="{AF507438-7753-43e0-B8FC-AC1667EBCBE1}">
               <a14:hiddenEffects xmlns:a14="http://schemas.microsoft.com/office/drawing/2010/main">
                 <a:effectLst>
                   <a:outerShdw dist="35921" dir="2700000" algn="ctr" rotWithShape="0">
@@ -4642,14 +4801,14 @@
           </a:ln>
           <a:effectLst/>
           <a:extLst>
-            <a:ext uri="{909E8E84-426E-40DD-AFC4-6F175D3DCCD1}">
+            <a:ext uri="{909E8E84-426E-40dd-AFC4-6F175D3DCCD1}">
               <a14:hiddenFill xmlns:a14="http://schemas.microsoft.com/office/drawing/2010/main">
                 <a:solidFill>
                   <a:schemeClr val="accent1"/>
                 </a:solidFill>
               </a14:hiddenFill>
             </a:ext>
-            <a:ext uri="{91240B29-F687-4F45-9708-019B960494DF}">
+            <a:ext uri="{91240B29-F687-4f45-9708-019B960494DF}">
               <a14:hiddenLine xmlns:a14="http://schemas.microsoft.com/office/drawing/2010/main" w="9525">
                 <a:solidFill>
                   <a:schemeClr val="tx1"/>
@@ -4659,7 +4818,7 @@
                 <a:tailEnd/>
               </a14:hiddenLine>
             </a:ext>
-            <a:ext uri="{AF507438-7753-43E0-B8FC-AC1667EBCBE1}">
+            <a:ext uri="{AF507438-7753-43e0-B8FC-AC1667EBCBE1}">
               <a14:hiddenEffects xmlns:a14="http://schemas.microsoft.com/office/drawing/2010/main">
                 <a:effectLst>
                   <a:outerShdw dist="35921" dir="2700000" algn="ctr" rotWithShape="0">
@@ -4736,14 +4895,14 @@
           </a:ln>
           <a:effectLst/>
           <a:extLst>
-            <a:ext uri="{909E8E84-426E-40DD-AFC4-6F175D3DCCD1}">
+            <a:ext uri="{909E8E84-426E-40dd-AFC4-6F175D3DCCD1}">
               <a14:hiddenFill xmlns:a14="http://schemas.microsoft.com/office/drawing/2010/main">
                 <a:solidFill>
                   <a:schemeClr val="accent1"/>
                 </a:solidFill>
               </a14:hiddenFill>
             </a:ext>
-            <a:ext uri="{91240B29-F687-4F45-9708-019B960494DF}">
+            <a:ext uri="{91240B29-F687-4f45-9708-019B960494DF}">
               <a14:hiddenLine xmlns:a14="http://schemas.microsoft.com/office/drawing/2010/main" w="9525">
                 <a:solidFill>
                   <a:schemeClr val="tx1"/>
@@ -4753,7 +4912,7 @@
                 <a:tailEnd/>
               </a14:hiddenLine>
             </a:ext>
-            <a:ext uri="{AF507438-7753-43E0-B8FC-AC1667EBCBE1}">
+            <a:ext uri="{AF507438-7753-43e0-B8FC-AC1667EBCBE1}">
               <a14:hiddenEffects xmlns:a14="http://schemas.microsoft.com/office/drawing/2010/main">
                 <a:effectLst>
                   <a:outerShdw dist="35921" dir="2700000" algn="ctr" rotWithShape="0">
@@ -4800,14 +4959,14 @@
           </a:ln>
           <a:effectLst/>
           <a:extLst>
-            <a:ext uri="{909E8E84-426E-40DD-AFC4-6F175D3DCCD1}">
+            <a:ext uri="{909E8E84-426E-40dd-AFC4-6F175D3DCCD1}">
               <a14:hiddenFill xmlns:a14="http://schemas.microsoft.com/office/drawing/2010/main">
                 <a:solidFill>
                   <a:schemeClr val="accent1"/>
                 </a:solidFill>
               </a14:hiddenFill>
             </a:ext>
-            <a:ext uri="{91240B29-F687-4F45-9708-019B960494DF}">
+            <a:ext uri="{91240B29-F687-4f45-9708-019B960494DF}">
               <a14:hiddenLine xmlns:a14="http://schemas.microsoft.com/office/drawing/2010/main" w="9525">
                 <a:solidFill>
                   <a:schemeClr val="tx1"/>
@@ -4817,7 +4976,7 @@
                 <a:tailEnd/>
               </a14:hiddenLine>
             </a:ext>
-            <a:ext uri="{AF507438-7753-43E0-B8FC-AC1667EBCBE1}">
+            <a:ext uri="{AF507438-7753-43e0-B8FC-AC1667EBCBE1}">
               <a14:hiddenEffects xmlns:a14="http://schemas.microsoft.com/office/drawing/2010/main">
                 <a:effectLst>
                   <a:outerShdw dist="35921" dir="2700000" algn="ctr" rotWithShape="0">
@@ -4864,14 +5023,14 @@
           </a:ln>
           <a:effectLst/>
           <a:extLst>
-            <a:ext uri="{909E8E84-426E-40DD-AFC4-6F175D3DCCD1}">
+            <a:ext uri="{909E8E84-426E-40dd-AFC4-6F175D3DCCD1}">
               <a14:hiddenFill xmlns:a14="http://schemas.microsoft.com/office/drawing/2010/main">
                 <a:solidFill>
                   <a:schemeClr val="accent1"/>
                 </a:solidFill>
               </a14:hiddenFill>
             </a:ext>
-            <a:ext uri="{91240B29-F687-4F45-9708-019B960494DF}">
+            <a:ext uri="{91240B29-F687-4f45-9708-019B960494DF}">
               <a14:hiddenLine xmlns:a14="http://schemas.microsoft.com/office/drawing/2010/main" w="9525">
                 <a:solidFill>
                   <a:schemeClr val="tx1"/>
@@ -4881,7 +5040,7 @@
                 <a:tailEnd/>
               </a14:hiddenLine>
             </a:ext>
-            <a:ext uri="{AF507438-7753-43E0-B8FC-AC1667EBCBE1}">
+            <a:ext uri="{AF507438-7753-43e0-B8FC-AC1667EBCBE1}">
               <a14:hiddenEffects xmlns:a14="http://schemas.microsoft.com/office/drawing/2010/main">
                 <a:effectLst>
                   <a:outerShdw dist="35921" dir="2700000" algn="ctr" rotWithShape="0">
@@ -4928,14 +5087,14 @@
           </a:ln>
           <a:effectLst/>
           <a:extLst>
-            <a:ext uri="{909E8E84-426E-40DD-AFC4-6F175D3DCCD1}">
+            <a:ext uri="{909E8E84-426E-40dd-AFC4-6F175D3DCCD1}">
               <a14:hiddenFill xmlns:a14="http://schemas.microsoft.com/office/drawing/2010/main">
                 <a:solidFill>
                   <a:schemeClr val="accent1"/>
                 </a:solidFill>
               </a14:hiddenFill>
             </a:ext>
-            <a:ext uri="{91240B29-F687-4F45-9708-019B960494DF}">
+            <a:ext uri="{91240B29-F687-4f45-9708-019B960494DF}">
               <a14:hiddenLine xmlns:a14="http://schemas.microsoft.com/office/drawing/2010/main" w="9525">
                 <a:solidFill>
                   <a:schemeClr val="tx1"/>
@@ -4945,7 +5104,7 @@
                 <a:tailEnd/>
               </a14:hiddenLine>
             </a:ext>
-            <a:ext uri="{AF507438-7753-43E0-B8FC-AC1667EBCBE1}">
+            <a:ext uri="{AF507438-7753-43e0-B8FC-AC1667EBCBE1}">
               <a14:hiddenEffects xmlns:a14="http://schemas.microsoft.com/office/drawing/2010/main">
                 <a:effectLst>
                   <a:outerShdw dist="35921" dir="2700000" algn="ctr" rotWithShape="0">
@@ -4992,14 +5151,14 @@
           </a:ln>
           <a:effectLst/>
           <a:extLst>
-            <a:ext uri="{909E8E84-426E-40DD-AFC4-6F175D3DCCD1}">
+            <a:ext uri="{909E8E84-426E-40dd-AFC4-6F175D3DCCD1}">
               <a14:hiddenFill xmlns:a14="http://schemas.microsoft.com/office/drawing/2010/main">
                 <a:solidFill>
                   <a:schemeClr val="accent1"/>
                 </a:solidFill>
               </a14:hiddenFill>
             </a:ext>
-            <a:ext uri="{91240B29-F687-4F45-9708-019B960494DF}">
+            <a:ext uri="{91240B29-F687-4f45-9708-019B960494DF}">
               <a14:hiddenLine xmlns:a14="http://schemas.microsoft.com/office/drawing/2010/main" w="9525">
                 <a:solidFill>
                   <a:schemeClr val="tx1"/>
@@ -5009,7 +5168,7 @@
                 <a:tailEnd/>
               </a14:hiddenLine>
             </a:ext>
-            <a:ext uri="{AF507438-7753-43E0-B8FC-AC1667EBCBE1}">
+            <a:ext uri="{AF507438-7753-43e0-B8FC-AC1667EBCBE1}">
               <a14:hiddenEffects xmlns:a14="http://schemas.microsoft.com/office/drawing/2010/main">
                 <a:effectLst>
                   <a:outerShdw dist="35921" dir="2700000" algn="ctr" rotWithShape="0">
@@ -5138,14 +5297,14 @@
             </a:ln>
             <a:effectLst/>
             <a:extLst>
-              <a:ext uri="{909E8E84-426E-40DD-AFC4-6F175D3DCCD1}">
+              <a:ext uri="{909E8E84-426E-40dd-AFC4-6F175D3DCCD1}">
                 <a14:hiddenFill xmlns:a14="http://schemas.microsoft.com/office/drawing/2010/main">
                   <a:solidFill>
                     <a:schemeClr val="accent1"/>
                   </a:solidFill>
                 </a14:hiddenFill>
               </a:ext>
-              <a:ext uri="{91240B29-F687-4F45-9708-019B960494DF}">
+              <a:ext uri="{91240B29-F687-4f45-9708-019B960494DF}">
                 <a14:hiddenLine xmlns:a14="http://schemas.microsoft.com/office/drawing/2010/main" w="9525">
                   <a:solidFill>
                     <a:schemeClr val="tx1"/>
@@ -5155,7 +5314,7 @@
                   <a:tailEnd/>
                 </a14:hiddenLine>
               </a:ext>
-              <a:ext uri="{AF507438-7753-43E0-B8FC-AC1667EBCBE1}">
+              <a:ext uri="{AF507438-7753-43e0-B8FC-AC1667EBCBE1}">
                 <a14:hiddenEffects xmlns:a14="http://schemas.microsoft.com/office/drawing/2010/main">
                   <a:effectLst>
                     <a:outerShdw dist="35921" dir="2700000" algn="ctr" rotWithShape="0">
@@ -5249,14 +5408,14 @@
           </a:ln>
           <a:effectLst/>
           <a:extLst>
-            <a:ext uri="{909E8E84-426E-40DD-AFC4-6F175D3DCCD1}">
+            <a:ext uri="{909E8E84-426E-40dd-AFC4-6F175D3DCCD1}">
               <a14:hiddenFill xmlns:a14="http://schemas.microsoft.com/office/drawing/2010/main">
                 <a:solidFill>
                   <a:schemeClr val="accent1"/>
                 </a:solidFill>
               </a14:hiddenFill>
             </a:ext>
-            <a:ext uri="{91240B29-F687-4F45-9708-019B960494DF}">
+            <a:ext uri="{91240B29-F687-4f45-9708-019B960494DF}">
               <a14:hiddenLine xmlns:a14="http://schemas.microsoft.com/office/drawing/2010/main" w="9525">
                 <a:solidFill>
                   <a:schemeClr val="tx1"/>
@@ -5266,7 +5425,7 @@
                 <a:tailEnd/>
               </a14:hiddenLine>
             </a:ext>
-            <a:ext uri="{AF507438-7753-43E0-B8FC-AC1667EBCBE1}">
+            <a:ext uri="{AF507438-7753-43e0-B8FC-AC1667EBCBE1}">
               <a14:hiddenEffects xmlns:a14="http://schemas.microsoft.com/office/drawing/2010/main">
                 <a:effectLst>
                   <a:outerShdw dist="35921" dir="2700000" algn="ctr" rotWithShape="0">
@@ -5343,14 +5502,14 @@
           </a:ln>
           <a:effectLst/>
           <a:extLst>
-            <a:ext uri="{909E8E84-426E-40DD-AFC4-6F175D3DCCD1}">
+            <a:ext uri="{909E8E84-426E-40dd-AFC4-6F175D3DCCD1}">
               <a14:hiddenFill xmlns:a14="http://schemas.microsoft.com/office/drawing/2010/main">
                 <a:solidFill>
                   <a:schemeClr val="accent1"/>
                 </a:solidFill>
               </a14:hiddenFill>
             </a:ext>
-            <a:ext uri="{91240B29-F687-4F45-9708-019B960494DF}">
+            <a:ext uri="{91240B29-F687-4f45-9708-019B960494DF}">
               <a14:hiddenLine xmlns:a14="http://schemas.microsoft.com/office/drawing/2010/main" w="9525">
                 <a:solidFill>
                   <a:schemeClr val="tx1"/>
@@ -5360,7 +5519,7 @@
                 <a:tailEnd/>
               </a14:hiddenLine>
             </a:ext>
-            <a:ext uri="{AF507438-7753-43E0-B8FC-AC1667EBCBE1}">
+            <a:ext uri="{AF507438-7753-43e0-B8FC-AC1667EBCBE1}">
               <a14:hiddenEffects xmlns:a14="http://schemas.microsoft.com/office/drawing/2010/main">
                 <a:effectLst>
                   <a:outerShdw dist="35921" dir="2700000" algn="ctr" rotWithShape="0">
@@ -5421,14 +5580,14 @@
             </a:ln>
             <a:effectLst/>
             <a:extLst>
-              <a:ext uri="{909E8E84-426E-40DD-AFC4-6F175D3DCCD1}">
+              <a:ext uri="{909E8E84-426E-40dd-AFC4-6F175D3DCCD1}">
                 <a14:hiddenFill xmlns:a14="http://schemas.microsoft.com/office/drawing/2010/main">
                   <a:solidFill>
                     <a:schemeClr val="accent1"/>
                   </a:solidFill>
                 </a14:hiddenFill>
               </a:ext>
-              <a:ext uri="{91240B29-F687-4F45-9708-019B960494DF}">
+              <a:ext uri="{91240B29-F687-4f45-9708-019B960494DF}">
                 <a14:hiddenLine xmlns:a14="http://schemas.microsoft.com/office/drawing/2010/main" w="9525">
                   <a:solidFill>
                     <a:schemeClr val="tx1"/>
@@ -5438,7 +5597,7 @@
                   <a:tailEnd/>
                 </a14:hiddenLine>
               </a:ext>
-              <a:ext uri="{AF507438-7753-43E0-B8FC-AC1667EBCBE1}">
+              <a:ext uri="{AF507438-7753-43e0-B8FC-AC1667EBCBE1}">
                 <a14:hiddenEffects xmlns:a14="http://schemas.microsoft.com/office/drawing/2010/main">
                   <a:effectLst>
                     <a:outerShdw dist="35921" dir="2700000" algn="ctr" rotWithShape="0">
@@ -5532,14 +5691,14 @@
           </a:ln>
           <a:effectLst/>
           <a:extLst>
-            <a:ext uri="{909E8E84-426E-40DD-AFC4-6F175D3DCCD1}">
+            <a:ext uri="{909E8E84-426E-40dd-AFC4-6F175D3DCCD1}">
               <a14:hiddenFill xmlns:a14="http://schemas.microsoft.com/office/drawing/2010/main">
                 <a:solidFill>
                   <a:schemeClr val="accent1"/>
                 </a:solidFill>
               </a14:hiddenFill>
             </a:ext>
-            <a:ext uri="{91240B29-F687-4F45-9708-019B960494DF}">
+            <a:ext uri="{91240B29-F687-4f45-9708-019B960494DF}">
               <a14:hiddenLine xmlns:a14="http://schemas.microsoft.com/office/drawing/2010/main" w="9525">
                 <a:solidFill>
                   <a:schemeClr val="tx1"/>
@@ -5549,7 +5708,7 @@
                 <a:tailEnd/>
               </a14:hiddenLine>
             </a:ext>
-            <a:ext uri="{AF507438-7753-43E0-B8FC-AC1667EBCBE1}">
+            <a:ext uri="{AF507438-7753-43e0-B8FC-AC1667EBCBE1}">
               <a14:hiddenEffects xmlns:a14="http://schemas.microsoft.com/office/drawing/2010/main">
                 <a:effectLst>
                   <a:outerShdw dist="35921" dir="2700000" algn="ctr" rotWithShape="0">
@@ -5724,14 +5883,14 @@
           </a:ln>
           <a:effectLst/>
           <a:extLst>
-            <a:ext uri="{909E8E84-426E-40DD-AFC4-6F175D3DCCD1}">
+            <a:ext uri="{909E8E84-426E-40dd-AFC4-6F175D3DCCD1}">
               <a14:hiddenFill xmlns:a14="http://schemas.microsoft.com/office/drawing/2010/main">
                 <a:solidFill>
                   <a:schemeClr val="accent1"/>
                 </a:solidFill>
               </a14:hiddenFill>
             </a:ext>
-            <a:ext uri="{91240B29-F687-4F45-9708-019B960494DF}">
+            <a:ext uri="{91240B29-F687-4f45-9708-019B960494DF}">
               <a14:hiddenLine xmlns:a14="http://schemas.microsoft.com/office/drawing/2010/main" w="9525">
                 <a:solidFill>
                   <a:schemeClr val="tx1"/>
@@ -5741,7 +5900,7 @@
                 <a:tailEnd/>
               </a14:hiddenLine>
             </a:ext>
-            <a:ext uri="{AF507438-7753-43E0-B8FC-AC1667EBCBE1}">
+            <a:ext uri="{AF507438-7753-43e0-B8FC-AC1667EBCBE1}">
               <a14:hiddenEffects xmlns:a14="http://schemas.microsoft.com/office/drawing/2010/main">
                 <a:effectLst>
                   <a:outerShdw dist="35921" dir="2700000" algn="ctr" rotWithShape="0">
@@ -5785,136 +5944,38 @@
       </p:grpSpPr>
       <p:pic>
         <p:nvPicPr>
-          <p:cNvPr id="8196" name="Picture 4"/>
+          <p:cNvPr id="6" name="Picture 5" descr="Screen Shot 2016-10-16 at 1.18.45 PM.png"/>
           <p:cNvPicPr>
-            <a:picLocks noChangeAspect="1" noChangeArrowheads="1"/>
+            <a:picLocks noChangeAspect="1"/>
           </p:cNvPicPr>
           <p:nvPr/>
         </p:nvPicPr>
         <p:blipFill>
-          <a:blip r:embed="rId2">
+          <a:blip r:embed="rId2" cstate="print">
             <a:extLst>
               <a:ext uri="{28A0092B-C50C-407E-A947-70E740481C1C}">
                 <a14:useLocalDpi xmlns:a14="http://schemas.microsoft.com/office/drawing/2010/main" val="0"/>
               </a:ext>
             </a:extLst>
           </a:blip>
-          <a:srcRect/>
           <a:stretch>
             <a:fillRect/>
           </a:stretch>
         </p:blipFill>
-        <p:spPr bwMode="auto">
+        <p:spPr>
           <a:xfrm>
-            <a:off x="871538" y="938213"/>
-            <a:ext cx="7400925" cy="4981575"/>
+            <a:off x="0" y="1333500"/>
+            <a:ext cx="9144000" cy="4172857"/>
           </a:xfrm>
           <a:prstGeom prst="rect">
             <a:avLst/>
           </a:prstGeom>
-          <a:noFill/>
-          <a:ln>
-            <a:noFill/>
-          </a:ln>
-          <a:effectLst/>
-          <a:extLst>
-            <a:ext uri="{909E8E84-426E-40DD-AFC4-6F175D3DCCD1}">
-              <a14:hiddenFill xmlns:a14="http://schemas.microsoft.com/office/drawing/2010/main">
-                <a:solidFill>
-                  <a:schemeClr val="accent1"/>
-                </a:solidFill>
-              </a14:hiddenFill>
-            </a:ext>
-            <a:ext uri="{91240B29-F687-4F45-9708-019B960494DF}">
-              <a14:hiddenLine xmlns:a14="http://schemas.microsoft.com/office/drawing/2010/main" w="9525">
-                <a:solidFill>
-                  <a:schemeClr val="tx1"/>
-                </a:solidFill>
-                <a:miter lim="800000"/>
-                <a:headEnd/>
-                <a:tailEnd/>
-              </a14:hiddenLine>
-            </a:ext>
-            <a:ext uri="{AF507438-7753-43E0-B8FC-AC1667EBCBE1}">
-              <a14:hiddenEffects xmlns:a14="http://schemas.microsoft.com/office/drawing/2010/main">
-                <a:effectLst>
-                  <a:outerShdw dist="35921" dir="2700000" algn="ctr" rotWithShape="0">
-                    <a:schemeClr val="bg2"/>
-                  </a:outerShdw>
-                </a:effectLst>
-              </a14:hiddenEffects>
-            </a:ext>
-          </a:extLst>
-        </p:spPr>
-      </p:pic>
-      <p:pic>
-        <p:nvPicPr>
-          <p:cNvPr id="8197" name="Picture 5"/>
-          <p:cNvPicPr>
-            <a:picLocks noChangeAspect="1" noChangeArrowheads="1"/>
-          </p:cNvPicPr>
-          <p:nvPr/>
-        </p:nvPicPr>
-        <p:blipFill>
-          <a:blip r:embed="rId3">
-            <a:extLst>
-              <a:ext uri="{28A0092B-C50C-407E-A947-70E740481C1C}">
-                <a14:useLocalDpi xmlns:a14="http://schemas.microsoft.com/office/drawing/2010/main" val="0"/>
-              </a:ext>
-            </a:extLst>
-          </a:blip>
-          <a:srcRect/>
-          <a:stretch>
-            <a:fillRect/>
-          </a:stretch>
-        </p:blipFill>
-        <p:spPr bwMode="auto">
-          <a:xfrm>
-            <a:off x="3923928" y="2636912"/>
-            <a:ext cx="7439025" cy="3124200"/>
-          </a:xfrm>
-          <a:prstGeom prst="rect">
-            <a:avLst/>
-          </a:prstGeom>
-          <a:noFill/>
-          <a:ln>
-            <a:noFill/>
-          </a:ln>
-          <a:effectLst/>
-          <a:extLst>
-            <a:ext uri="{909E8E84-426E-40DD-AFC4-6F175D3DCCD1}">
-              <a14:hiddenFill xmlns:a14="http://schemas.microsoft.com/office/drawing/2010/main">
-                <a:solidFill>
-                  <a:schemeClr val="accent1"/>
-                </a:solidFill>
-              </a14:hiddenFill>
-            </a:ext>
-            <a:ext uri="{91240B29-F687-4F45-9708-019B960494DF}">
-              <a14:hiddenLine xmlns:a14="http://schemas.microsoft.com/office/drawing/2010/main" w="9525">
-                <a:solidFill>
-                  <a:schemeClr val="tx1"/>
-                </a:solidFill>
-                <a:miter lim="800000"/>
-                <a:headEnd/>
-                <a:tailEnd/>
-              </a14:hiddenLine>
-            </a:ext>
-            <a:ext uri="{AF507438-7753-43E0-B8FC-AC1667EBCBE1}">
-              <a14:hiddenEffects xmlns:a14="http://schemas.microsoft.com/office/drawing/2010/main">
-                <a:effectLst>
-                  <a:outerShdw dist="35921" dir="2700000" algn="ctr" rotWithShape="0">
-                    <a:schemeClr val="bg2"/>
-                  </a:outerShdw>
-                </a:effectLst>
-              </a14:hiddenEffects>
-            </a:ext>
-          </a:extLst>
         </p:spPr>
       </p:pic>
     </p:spTree>
     <p:extLst>
       <p:ext uri="{BB962C8B-B14F-4D97-AF65-F5344CB8AC3E}">
-        <p14:creationId xmlns:p14="http://schemas.microsoft.com/office/powerpoint/2010/main" val="1697472531"/>
+        <p14:creationId xmlns:p14="http://schemas.microsoft.com/office/powerpoint/2010/main" val="2021546140"/>
       </p:ext>
     </p:extLst>
   </p:cSld>

--- a/Spring4MVCAngularJSExample/src/doc/AWS BeansTalk 활용한 스케일링.pptx
+++ b/Spring4MVCAngularJSExample/src/doc/AWS BeansTalk 활용한 스케일링.pptx
@@ -17,8 +17,8 @@
     <p:sldId id="263" r:id="rId11"/>
     <p:sldId id="264" r:id="rId12"/>
     <p:sldId id="265" r:id="rId13"/>
-    <p:sldId id="266" r:id="rId14"/>
-    <p:sldId id="267" r:id="rId15"/>
+    <p:sldId id="267" r:id="rId14"/>
+    <p:sldId id="266" r:id="rId15"/>
     <p:sldId id="271" r:id="rId16"/>
     <p:sldId id="268" r:id="rId17"/>
     <p:sldId id="269" r:id="rId18"/>
@@ -3732,6 +3732,138 @@
       </p:sp>
       <p:pic>
         <p:nvPicPr>
+          <p:cNvPr id="12290" name="Picture 2"/>
+          <p:cNvPicPr>
+            <a:picLocks noChangeAspect="1" noChangeArrowheads="1"/>
+          </p:cNvPicPr>
+          <p:nvPr/>
+        </p:nvPicPr>
+        <p:blipFill>
+          <a:blip r:embed="rId2">
+            <a:extLst>
+              <a:ext uri="{28A0092B-C50C-407E-A947-70E740481C1C}">
+                <a14:useLocalDpi xmlns:a14="http://schemas.microsoft.com/office/drawing/2010/main" val="0"/>
+              </a:ext>
+            </a:extLst>
+          </a:blip>
+          <a:srcRect/>
+          <a:stretch>
+            <a:fillRect/>
+          </a:stretch>
+        </p:blipFill>
+        <p:spPr bwMode="auto">
+          <a:xfrm>
+            <a:off x="957263" y="0"/>
+            <a:ext cx="7229475" cy="8905875"/>
+          </a:xfrm>
+          <a:prstGeom prst="rect">
+            <a:avLst/>
+          </a:prstGeom>
+          <a:noFill/>
+          <a:ln>
+            <a:noFill/>
+          </a:ln>
+          <a:effectLst/>
+          <a:extLst>
+            <a:ext uri="{909E8E84-426E-40dd-AFC4-6F175D3DCCD1}">
+              <a14:hiddenFill xmlns:a14="http://schemas.microsoft.com/office/drawing/2010/main">
+                <a:solidFill>
+                  <a:schemeClr val="accent1"/>
+                </a:solidFill>
+              </a14:hiddenFill>
+            </a:ext>
+            <a:ext uri="{91240B29-F687-4f45-9708-019B960494DF}">
+              <a14:hiddenLine xmlns:a14="http://schemas.microsoft.com/office/drawing/2010/main" w="9525">
+                <a:solidFill>
+                  <a:schemeClr val="tx1"/>
+                </a:solidFill>
+                <a:miter lim="800000"/>
+                <a:headEnd/>
+                <a:tailEnd/>
+              </a14:hiddenLine>
+            </a:ext>
+            <a:ext uri="{AF507438-7753-43e0-B8FC-AC1667EBCBE1}">
+              <a14:hiddenEffects xmlns:a14="http://schemas.microsoft.com/office/drawing/2010/main">
+                <a:effectLst>
+                  <a:outerShdw dist="35921" dir="2700000" algn="ctr" rotWithShape="0">
+                    <a:schemeClr val="bg2"/>
+                  </a:outerShdw>
+                </a:effectLst>
+              </a14:hiddenEffects>
+            </a:ext>
+          </a:extLst>
+        </p:spPr>
+      </p:pic>
+    </p:spTree>
+    <p:extLst>
+      <p:ext uri="{BB962C8B-B14F-4D97-AF65-F5344CB8AC3E}">
+        <p14:creationId xmlns:p14="http://schemas.microsoft.com/office/powerpoint/2010/main" val="2351890560"/>
+      </p:ext>
+    </p:extLst>
+  </p:cSld>
+  <p:clrMapOvr>
+    <a:masterClrMapping/>
+  </p:clrMapOvr>
+</p:sld>
+</file>
+
+<file path=ppt/slides/slide14.xml><?xml version="1.0" encoding="utf-8"?>
+<p:sld xmlns:a="http://schemas.openxmlformats.org/drawingml/2006/main" xmlns:r="http://schemas.openxmlformats.org/officeDocument/2006/relationships" xmlns:p="http://schemas.openxmlformats.org/presentationml/2006/main">
+  <p:cSld>
+    <p:spTree>
+      <p:nvGrpSpPr>
+        <p:cNvPr id="1" name=""/>
+        <p:cNvGrpSpPr/>
+        <p:nvPr/>
+      </p:nvGrpSpPr>
+      <p:grpSpPr>
+        <a:xfrm>
+          <a:off x="0" y="0"/>
+          <a:ext cx="0" cy="0"/>
+          <a:chOff x="0" y="0"/>
+          <a:chExt cx="0" cy="0"/>
+        </a:xfrm>
+      </p:grpSpPr>
+      <p:sp>
+        <p:nvSpPr>
+          <p:cNvPr id="2" name="제목 1"/>
+          <p:cNvSpPr>
+            <a:spLocks noGrp="1"/>
+          </p:cNvSpPr>
+          <p:nvPr>
+            <p:ph type="title"/>
+          </p:nvPr>
+        </p:nvSpPr>
+        <p:spPr/>
+        <p:txBody>
+          <a:bodyPr/>
+          <a:lstStyle/>
+          <a:p>
+            <a:endParaRPr lang="ko-KR" altLang="en-US"/>
+          </a:p>
+        </p:txBody>
+      </p:sp>
+      <p:sp>
+        <p:nvSpPr>
+          <p:cNvPr id="3" name="내용 개체 틀 2"/>
+          <p:cNvSpPr>
+            <a:spLocks noGrp="1"/>
+          </p:cNvSpPr>
+          <p:nvPr>
+            <p:ph idx="1"/>
+          </p:nvPr>
+        </p:nvSpPr>
+        <p:spPr/>
+        <p:txBody>
+          <a:bodyPr/>
+          <a:lstStyle/>
+          <a:p>
+            <a:endParaRPr lang="ko-KR" altLang="en-US"/>
+          </a:p>
+        </p:txBody>
+      </p:sp>
+      <p:pic>
+        <p:nvPicPr>
           <p:cNvPr id="11266" name="Picture 2"/>
           <p:cNvPicPr>
             <a:picLocks noChangeAspect="1" noChangeArrowheads="1"/>
@@ -3862,138 +3994,6 @@
     <p:extLst>
       <p:ext uri="{BB962C8B-B14F-4D97-AF65-F5344CB8AC3E}">
         <p14:creationId xmlns:p14="http://schemas.microsoft.com/office/powerpoint/2010/main" val="720337768"/>
-      </p:ext>
-    </p:extLst>
-  </p:cSld>
-  <p:clrMapOvr>
-    <a:masterClrMapping/>
-  </p:clrMapOvr>
-</p:sld>
-</file>
-
-<file path=ppt/slides/slide14.xml><?xml version="1.0" encoding="utf-8"?>
-<p:sld xmlns:a="http://schemas.openxmlformats.org/drawingml/2006/main" xmlns:r="http://schemas.openxmlformats.org/officeDocument/2006/relationships" xmlns:p="http://schemas.openxmlformats.org/presentationml/2006/main">
-  <p:cSld>
-    <p:spTree>
-      <p:nvGrpSpPr>
-        <p:cNvPr id="1" name=""/>
-        <p:cNvGrpSpPr/>
-        <p:nvPr/>
-      </p:nvGrpSpPr>
-      <p:grpSpPr>
-        <a:xfrm>
-          <a:off x="0" y="0"/>
-          <a:ext cx="0" cy="0"/>
-          <a:chOff x="0" y="0"/>
-          <a:chExt cx="0" cy="0"/>
-        </a:xfrm>
-      </p:grpSpPr>
-      <p:sp>
-        <p:nvSpPr>
-          <p:cNvPr id="2" name="제목 1"/>
-          <p:cNvSpPr>
-            <a:spLocks noGrp="1"/>
-          </p:cNvSpPr>
-          <p:nvPr>
-            <p:ph type="title"/>
-          </p:nvPr>
-        </p:nvSpPr>
-        <p:spPr/>
-        <p:txBody>
-          <a:bodyPr/>
-          <a:lstStyle/>
-          <a:p>
-            <a:endParaRPr lang="ko-KR" altLang="en-US"/>
-          </a:p>
-        </p:txBody>
-      </p:sp>
-      <p:sp>
-        <p:nvSpPr>
-          <p:cNvPr id="3" name="내용 개체 틀 2"/>
-          <p:cNvSpPr>
-            <a:spLocks noGrp="1"/>
-          </p:cNvSpPr>
-          <p:nvPr>
-            <p:ph idx="1"/>
-          </p:nvPr>
-        </p:nvSpPr>
-        <p:spPr/>
-        <p:txBody>
-          <a:bodyPr/>
-          <a:lstStyle/>
-          <a:p>
-            <a:endParaRPr lang="ko-KR" altLang="en-US"/>
-          </a:p>
-        </p:txBody>
-      </p:sp>
-      <p:pic>
-        <p:nvPicPr>
-          <p:cNvPr id="12290" name="Picture 2"/>
-          <p:cNvPicPr>
-            <a:picLocks noChangeAspect="1" noChangeArrowheads="1"/>
-          </p:cNvPicPr>
-          <p:nvPr/>
-        </p:nvPicPr>
-        <p:blipFill>
-          <a:blip r:embed="rId2">
-            <a:extLst>
-              <a:ext uri="{28A0092B-C50C-407E-A947-70E740481C1C}">
-                <a14:useLocalDpi xmlns:a14="http://schemas.microsoft.com/office/drawing/2010/main" val="0"/>
-              </a:ext>
-            </a:extLst>
-          </a:blip>
-          <a:srcRect/>
-          <a:stretch>
-            <a:fillRect/>
-          </a:stretch>
-        </p:blipFill>
-        <p:spPr bwMode="auto">
-          <a:xfrm>
-            <a:off x="957263" y="0"/>
-            <a:ext cx="7229475" cy="8905875"/>
-          </a:xfrm>
-          <a:prstGeom prst="rect">
-            <a:avLst/>
-          </a:prstGeom>
-          <a:noFill/>
-          <a:ln>
-            <a:noFill/>
-          </a:ln>
-          <a:effectLst/>
-          <a:extLst>
-            <a:ext uri="{909E8E84-426E-40dd-AFC4-6F175D3DCCD1}">
-              <a14:hiddenFill xmlns:a14="http://schemas.microsoft.com/office/drawing/2010/main">
-                <a:solidFill>
-                  <a:schemeClr val="accent1"/>
-                </a:solidFill>
-              </a14:hiddenFill>
-            </a:ext>
-            <a:ext uri="{91240B29-F687-4f45-9708-019B960494DF}">
-              <a14:hiddenLine xmlns:a14="http://schemas.microsoft.com/office/drawing/2010/main" w="9525">
-                <a:solidFill>
-                  <a:schemeClr val="tx1"/>
-                </a:solidFill>
-                <a:miter lim="800000"/>
-                <a:headEnd/>
-                <a:tailEnd/>
-              </a14:hiddenLine>
-            </a:ext>
-            <a:ext uri="{AF507438-7753-43e0-B8FC-AC1667EBCBE1}">
-              <a14:hiddenEffects xmlns:a14="http://schemas.microsoft.com/office/drawing/2010/main">
-                <a:effectLst>
-                  <a:outerShdw dist="35921" dir="2700000" algn="ctr" rotWithShape="0">
-                    <a:schemeClr val="bg2"/>
-                  </a:outerShdw>
-                </a:effectLst>
-              </a14:hiddenEffects>
-            </a:ext>
-          </a:extLst>
-        </p:spPr>
-      </p:pic>
-    </p:spTree>
-    <p:extLst>
-      <p:ext uri="{BB962C8B-B14F-4D97-AF65-F5344CB8AC3E}">
-        <p14:creationId xmlns:p14="http://schemas.microsoft.com/office/powerpoint/2010/main" val="2351890560"/>
       </p:ext>
     </p:extLst>
   </p:cSld>
